--- a/webapi後端開發.pptx
+++ b/webapi後端開發.pptx
@@ -7,17 +7,19 @@
   <p:sldIdLst>
     <p:sldId id="257" r:id="rId2"/>
     <p:sldId id="258" r:id="rId3"/>
-    <p:sldId id="259" r:id="rId4"/>
-    <p:sldId id="260" r:id="rId5"/>
-    <p:sldId id="264" r:id="rId6"/>
-    <p:sldId id="261" r:id="rId7"/>
-    <p:sldId id="262" r:id="rId8"/>
-    <p:sldId id="263" r:id="rId9"/>
-    <p:sldId id="265" r:id="rId10"/>
-    <p:sldId id="266" r:id="rId11"/>
-    <p:sldId id="267" r:id="rId12"/>
-    <p:sldId id="268" r:id="rId13"/>
-    <p:sldId id="269" r:id="rId14"/>
+    <p:sldId id="270" r:id="rId4"/>
+    <p:sldId id="259" r:id="rId5"/>
+    <p:sldId id="260" r:id="rId6"/>
+    <p:sldId id="264" r:id="rId7"/>
+    <p:sldId id="261" r:id="rId8"/>
+    <p:sldId id="262" r:id="rId9"/>
+    <p:sldId id="271" r:id="rId10"/>
+    <p:sldId id="263" r:id="rId11"/>
+    <p:sldId id="265" r:id="rId12"/>
+    <p:sldId id="266" r:id="rId13"/>
+    <p:sldId id="267" r:id="rId14"/>
+    <p:sldId id="268" r:id="rId15"/>
+    <p:sldId id="269" r:id="rId16"/>
   </p:sldIdLst>
   <p:sldSz cx="12192000" cy="6858000"/>
   <p:notesSz cx="6858000" cy="9144000"/>
@@ -3084,6 +3086,250 @@
           <a:lstStyle/>
           <a:p>
             <a:r>
+              <a:rPr lang="en-US" altLang="zh-TW" dirty="0" err="1" smtClean="0"/>
+              <a:t>Nestjs</a:t>
+            </a:r>
+            <a:r>
+              <a:rPr lang="en-US" altLang="zh-TW" dirty="0" smtClean="0"/>
+              <a:t> </a:t>
+            </a:r>
+            <a:r>
+              <a:rPr lang="zh-TW" altLang="en-US" dirty="0" smtClean="0"/>
+              <a:t>特點</a:t>
+            </a:r>
+            <a:endParaRPr lang="zh-TW" altLang="en-US" dirty="0"/>
+          </a:p>
+        </p:txBody>
+      </p:sp>
+      <p:sp>
+        <p:nvSpPr>
+          <p:cNvPr id="3" name="內容版面配置區 2"/>
+          <p:cNvSpPr>
+            <a:spLocks noGrp="1"/>
+          </p:cNvSpPr>
+          <p:nvPr>
+            <p:ph idx="1"/>
+          </p:nvPr>
+        </p:nvSpPr>
+        <p:spPr/>
+        <p:txBody>
+          <a:bodyPr/>
+          <a:lstStyle/>
+          <a:p>
+            <a:endParaRPr lang="zh-TW" altLang="en-US"/>
+          </a:p>
+        </p:txBody>
+      </p:sp>
+      <p:sp>
+        <p:nvSpPr>
+          <p:cNvPr id="4" name="矩形 3"/>
+          <p:cNvSpPr/>
+          <p:nvPr/>
+        </p:nvSpPr>
+        <p:spPr>
+          <a:xfrm>
+            <a:off x="4976788" y="6375723"/>
+            <a:ext cx="4722831" cy="369332"/>
+          </a:xfrm>
+          <a:prstGeom prst="rect">
+            <a:avLst/>
+          </a:prstGeom>
+        </p:spPr>
+        <p:txBody>
+          <a:bodyPr wrap="none">
+            <a:spAutoFit/>
+          </a:bodyPr>
+          <a:lstStyle/>
+          <a:p>
+            <a:r>
+              <a:rPr lang="en-US" altLang="zh-TW" dirty="0">
+                <a:hlinkClick r:id="rId2"/>
+              </a:rPr>
+              <a:t>https://ithelp.ithome.com.tw/articles/10190659</a:t>
+            </a:r>
+            <a:endParaRPr lang="zh-TW" altLang="en-US" dirty="0"/>
+          </a:p>
+        </p:txBody>
+      </p:sp>
+      <p:pic>
+        <p:nvPicPr>
+          <p:cNvPr id="5" name="圖片 4"/>
+          <p:cNvPicPr>
+            <a:picLocks noChangeAspect="1"/>
+          </p:cNvPicPr>
+          <p:nvPr/>
+        </p:nvPicPr>
+        <p:blipFill>
+          <a:blip r:embed="rId3"/>
+          <a:stretch>
+            <a:fillRect/>
+          </a:stretch>
+        </p:blipFill>
+        <p:spPr>
+          <a:xfrm>
+            <a:off x="707366" y="1542383"/>
+            <a:ext cx="8714207" cy="4361305"/>
+          </a:xfrm>
+          <a:prstGeom prst="rect">
+            <a:avLst/>
+          </a:prstGeom>
+        </p:spPr>
+      </p:pic>
+    </p:spTree>
+    <p:extLst>
+      <p:ext uri="{BB962C8B-B14F-4D97-AF65-F5344CB8AC3E}">
+        <p14:creationId xmlns:p14="http://schemas.microsoft.com/office/powerpoint/2010/main" val="1614140794"/>
+      </p:ext>
+    </p:extLst>
+  </p:cSld>
+  <p:clrMapOvr>
+    <a:masterClrMapping/>
+  </p:clrMapOvr>
+</p:sld>
+</file>
+
+<file path=ppt/slides/slide11.xml><?xml version="1.0" encoding="utf-8"?>
+<p:sld xmlns:a="http://schemas.openxmlformats.org/drawingml/2006/main" xmlns:r="http://schemas.openxmlformats.org/officeDocument/2006/relationships" xmlns:p="http://schemas.openxmlformats.org/presentationml/2006/main">
+  <p:cSld>
+    <p:spTree>
+      <p:nvGrpSpPr>
+        <p:cNvPr id="1" name=""/>
+        <p:cNvGrpSpPr/>
+        <p:nvPr/>
+      </p:nvGrpSpPr>
+      <p:grpSpPr>
+        <a:xfrm>
+          <a:off x="0" y="0"/>
+          <a:ext cx="0" cy="0"/>
+          <a:chOff x="0" y="0"/>
+          <a:chExt cx="0" cy="0"/>
+        </a:xfrm>
+      </p:grpSpPr>
+      <p:sp>
+        <p:nvSpPr>
+          <p:cNvPr id="2" name="標題 1"/>
+          <p:cNvSpPr>
+            <a:spLocks noGrp="1"/>
+          </p:cNvSpPr>
+          <p:nvPr>
+            <p:ph type="title"/>
+          </p:nvPr>
+        </p:nvSpPr>
+        <p:spPr/>
+        <p:txBody>
+          <a:bodyPr/>
+          <a:lstStyle/>
+          <a:p>
+            <a:r>
+              <a:rPr lang="en-US" altLang="zh-TW" dirty="0" err="1" smtClean="0"/>
+              <a:t>Nestjs</a:t>
+            </a:r>
+            <a:r>
+              <a:rPr lang="en-US" altLang="zh-TW" dirty="0" smtClean="0"/>
+              <a:t> Overview</a:t>
+            </a:r>
+            <a:endParaRPr lang="zh-TW" altLang="en-US" dirty="0"/>
+          </a:p>
+        </p:txBody>
+      </p:sp>
+      <p:sp>
+        <p:nvSpPr>
+          <p:cNvPr id="3" name="內容版面配置區 2"/>
+          <p:cNvSpPr>
+            <a:spLocks noGrp="1"/>
+          </p:cNvSpPr>
+          <p:nvPr>
+            <p:ph idx="1"/>
+          </p:nvPr>
+        </p:nvSpPr>
+        <p:spPr/>
+        <p:txBody>
+          <a:bodyPr/>
+          <a:lstStyle/>
+          <a:p>
+            <a:r>
+              <a:rPr lang="en-US" altLang="zh-TW" dirty="0" smtClean="0"/>
+              <a:t>Project</a:t>
+            </a:r>
+            <a:endParaRPr lang="en-US" altLang="zh-TW" dirty="0" smtClean="0"/>
+          </a:p>
+          <a:p>
+            <a:pPr lvl="1"/>
+            <a:r>
+              <a:rPr lang="en-US" altLang="zh-TW" dirty="0" smtClean="0"/>
+              <a:t>Module</a:t>
+            </a:r>
+            <a:endParaRPr lang="en-US" altLang="zh-TW" dirty="0" smtClean="0"/>
+          </a:p>
+          <a:p>
+            <a:pPr lvl="2"/>
+            <a:r>
+              <a:rPr lang="en-US" altLang="zh-TW" dirty="0" smtClean="0"/>
+              <a:t>Controller</a:t>
+            </a:r>
+          </a:p>
+          <a:p>
+            <a:pPr lvl="2"/>
+            <a:r>
+              <a:rPr lang="en-US" altLang="zh-TW" dirty="0" smtClean="0"/>
+              <a:t>Provider, Service, Component</a:t>
+            </a:r>
+          </a:p>
+          <a:p>
+            <a:r>
+              <a:rPr lang="zh-TW" altLang="en-US" dirty="0" smtClean="0"/>
+              <a:t>資料庫串接</a:t>
+            </a:r>
+            <a:endParaRPr lang="zh-TW" altLang="en-US" dirty="0"/>
+          </a:p>
+        </p:txBody>
+      </p:sp>
+    </p:spTree>
+    <p:extLst>
+      <p:ext uri="{BB962C8B-B14F-4D97-AF65-F5344CB8AC3E}">
+        <p14:creationId xmlns:p14="http://schemas.microsoft.com/office/powerpoint/2010/main" val="1502392465"/>
+      </p:ext>
+    </p:extLst>
+  </p:cSld>
+  <p:clrMapOvr>
+    <a:masterClrMapping/>
+  </p:clrMapOvr>
+</p:sld>
+</file>
+
+<file path=ppt/slides/slide12.xml><?xml version="1.0" encoding="utf-8"?>
+<p:sld xmlns:a="http://schemas.openxmlformats.org/drawingml/2006/main" xmlns:r="http://schemas.openxmlformats.org/officeDocument/2006/relationships" xmlns:p="http://schemas.openxmlformats.org/presentationml/2006/main">
+  <p:cSld>
+    <p:spTree>
+      <p:nvGrpSpPr>
+        <p:cNvPr id="1" name=""/>
+        <p:cNvGrpSpPr/>
+        <p:nvPr/>
+      </p:nvGrpSpPr>
+      <p:grpSpPr>
+        <a:xfrm>
+          <a:off x="0" y="0"/>
+          <a:ext cx="0" cy="0"/>
+          <a:chOff x="0" y="0"/>
+          <a:chExt cx="0" cy="0"/>
+        </a:xfrm>
+      </p:grpSpPr>
+      <p:sp>
+        <p:nvSpPr>
+          <p:cNvPr id="2" name="標題 1"/>
+          <p:cNvSpPr>
+            <a:spLocks noGrp="1"/>
+          </p:cNvSpPr>
+          <p:nvPr>
+            <p:ph type="title"/>
+          </p:nvPr>
+        </p:nvSpPr>
+        <p:spPr/>
+        <p:txBody>
+          <a:bodyPr/>
+          <a:lstStyle/>
+          <a:p>
+            <a:r>
               <a:rPr lang="en-US" altLang="zh-TW" dirty="0" smtClean="0"/>
               <a:t>Module</a:t>
             </a:r>
@@ -3213,7 +3459,7 @@
 </p:sld>
 </file>
 
-<file path=ppt/slides/slide11.xml><?xml version="1.0" encoding="utf-8"?>
+<file path=ppt/slides/slide13.xml><?xml version="1.0" encoding="utf-8"?>
 <p:sld xmlns:a="http://schemas.openxmlformats.org/drawingml/2006/main" xmlns:r="http://schemas.openxmlformats.org/officeDocument/2006/relationships" xmlns:p="http://schemas.openxmlformats.org/presentationml/2006/main">
   <p:cSld>
     <p:spTree>
@@ -3361,7 +3607,7 @@
 </p:sld>
 </file>
 
-<file path=ppt/slides/slide12.xml><?xml version="1.0" encoding="utf-8"?>
+<file path=ppt/slides/slide14.xml><?xml version="1.0" encoding="utf-8"?>
 <p:sld xmlns:a="http://schemas.openxmlformats.org/drawingml/2006/main" xmlns:r="http://schemas.openxmlformats.org/officeDocument/2006/relationships" xmlns:p="http://schemas.openxmlformats.org/presentationml/2006/main">
   <p:cSld>
     <p:spTree>
@@ -3619,7 +3865,7 @@
 </p:sld>
 </file>
 
-<file path=ppt/slides/slide13.xml><?xml version="1.0" encoding="utf-8"?>
+<file path=ppt/slides/slide15.xml><?xml version="1.0" encoding="utf-8"?>
 <p:sld xmlns:a="http://schemas.openxmlformats.org/drawingml/2006/main" xmlns:r="http://schemas.openxmlformats.org/officeDocument/2006/relationships" xmlns:p="http://schemas.openxmlformats.org/presentationml/2006/main">
   <p:cSld>
     <p:spTree>
@@ -3882,7 +4128,7 @@
           <a:p>
             <a:r>
               <a:rPr lang="zh-TW" altLang="en-US" dirty="0" smtClean="0"/>
-              <a:t>學習目標</a:t>
+              <a:t>架構</a:t>
             </a:r>
             <a:endParaRPr lang="zh-TW" altLang="en-US" dirty="0"/>
           </a:p>
@@ -3898,55 +4144,386 @@
             <p:ph idx="1"/>
           </p:nvPr>
         </p:nvSpPr>
-        <p:spPr/>
+        <p:spPr>
+          <a:xfrm>
+            <a:off x="838200" y="1733372"/>
+            <a:ext cx="10515600" cy="4351338"/>
+          </a:xfrm>
+        </p:spPr>
         <p:txBody>
           <a:bodyPr/>
           <a:lstStyle/>
           <a:p>
             <a:r>
               <a:rPr lang="en-US" altLang="zh-TW" dirty="0" smtClean="0"/>
-              <a:t>HTTP </a:t>
-            </a:r>
+              <a:t>Client/server</a:t>
+            </a:r>
+          </a:p>
+          <a:p>
             <a:r>
               <a:rPr lang="zh-TW" altLang="en-US" dirty="0" smtClean="0"/>
-              <a:t>基礎</a:t>
-            </a:r>
+              <a:t>雲端</a:t>
+            </a:r>
+            <a:endParaRPr lang="zh-TW" altLang="en-US" dirty="0"/>
+          </a:p>
+        </p:txBody>
+      </p:sp>
+      <p:sp>
+        <p:nvSpPr>
+          <p:cNvPr id="4" name="圓角矩形 3"/>
+          <p:cNvSpPr/>
+          <p:nvPr/>
+        </p:nvSpPr>
+        <p:spPr>
+          <a:xfrm>
+            <a:off x="292293" y="3337975"/>
+            <a:ext cx="3260785" cy="1112808"/>
+          </a:xfrm>
+          <a:prstGeom prst="roundRect">
+            <a:avLst/>
+          </a:prstGeom>
+        </p:spPr>
+        <p:style>
+          <a:lnRef idx="2">
+            <a:schemeClr val="accent1">
+              <a:shade val="50000"/>
+            </a:schemeClr>
+          </a:lnRef>
+          <a:fillRef idx="1">
+            <a:schemeClr val="accent1"/>
+          </a:fillRef>
+          <a:effectRef idx="0">
+            <a:schemeClr val="accent1"/>
+          </a:effectRef>
+          <a:fontRef idx="minor">
+            <a:schemeClr val="lt1"/>
+          </a:fontRef>
+        </p:style>
+        <p:txBody>
+          <a:bodyPr rtlCol="0" anchor="ctr"/>
+          <a:lstStyle/>
+          <a:p>
+            <a:pPr algn="ctr"/>
+            <a:r>
+              <a:rPr lang="zh-TW" altLang="en-US" smtClean="0"/>
+              <a:t>前端</a:t>
+            </a:r>
+            <a:endParaRPr lang="en-US" altLang="zh-TW" smtClean="0"/>
+          </a:p>
+          <a:p>
+            <a:pPr algn="ctr"/>
+            <a:r>
+              <a:rPr lang="en-US" altLang="zh-TW" smtClean="0"/>
+              <a:t>APP, WEB</a:t>
+            </a:r>
+            <a:endParaRPr lang="zh-TW" altLang="en-US" dirty="0"/>
+          </a:p>
+        </p:txBody>
+      </p:sp>
+      <p:sp>
+        <p:nvSpPr>
+          <p:cNvPr id="5" name="圓角矩形 4"/>
+          <p:cNvSpPr/>
+          <p:nvPr/>
+        </p:nvSpPr>
+        <p:spPr>
+          <a:xfrm>
+            <a:off x="4578323" y="3261574"/>
+            <a:ext cx="3260785" cy="1112808"/>
+          </a:xfrm>
+          <a:prstGeom prst="roundRect">
+            <a:avLst/>
+          </a:prstGeom>
+        </p:spPr>
+        <p:style>
+          <a:lnRef idx="2">
+            <a:schemeClr val="accent1">
+              <a:shade val="50000"/>
+            </a:schemeClr>
+          </a:lnRef>
+          <a:fillRef idx="1">
+            <a:schemeClr val="accent1"/>
+          </a:fillRef>
+          <a:effectRef idx="0">
+            <a:schemeClr val="accent1"/>
+          </a:effectRef>
+          <a:fontRef idx="minor">
+            <a:schemeClr val="lt1"/>
+          </a:fontRef>
+        </p:style>
+        <p:txBody>
+          <a:bodyPr rtlCol="0" anchor="ctr"/>
+          <a:lstStyle/>
+          <a:p>
+            <a:pPr algn="ctr"/>
+            <a:r>
+              <a:rPr lang="zh-TW" altLang="en-US" dirty="0"/>
+              <a:t>後</a:t>
+            </a:r>
+            <a:r>
+              <a:rPr lang="zh-TW" altLang="en-US" dirty="0" smtClean="0"/>
+              <a:t>端</a:t>
+            </a:r>
+            <a:endParaRPr lang="en-US" altLang="zh-TW" dirty="0" smtClean="0"/>
+          </a:p>
+          <a:p>
+            <a:pPr algn="ctr"/>
             <a:r>
               <a:rPr lang="en-US" altLang="zh-TW" dirty="0" smtClean="0"/>
-              <a:t>: Method, Status</a:t>
-            </a:r>
-          </a:p>
-          <a:p>
+              <a:t>API</a:t>
+            </a:r>
+            <a:endParaRPr lang="zh-TW" altLang="en-US" dirty="0"/>
+          </a:p>
+        </p:txBody>
+      </p:sp>
+      <p:sp>
+        <p:nvSpPr>
+          <p:cNvPr id="6" name="圓柱 5"/>
+          <p:cNvSpPr/>
+          <p:nvPr/>
+        </p:nvSpPr>
+        <p:spPr>
+          <a:xfrm>
+            <a:off x="9661585" y="2197700"/>
+            <a:ext cx="810883" cy="1555930"/>
+          </a:xfrm>
+          <a:prstGeom prst="can">
+            <a:avLst/>
+          </a:prstGeom>
+        </p:spPr>
+        <p:style>
+          <a:lnRef idx="2">
+            <a:schemeClr val="accent1">
+              <a:shade val="50000"/>
+            </a:schemeClr>
+          </a:lnRef>
+          <a:fillRef idx="1">
+            <a:schemeClr val="accent1"/>
+          </a:fillRef>
+          <a:effectRef idx="0">
+            <a:schemeClr val="accent1"/>
+          </a:effectRef>
+          <a:fontRef idx="minor">
+            <a:schemeClr val="lt1"/>
+          </a:fontRef>
+        </p:style>
+        <p:txBody>
+          <a:bodyPr rtlCol="0" anchor="ctr"/>
+          <a:lstStyle/>
+          <a:p>
+            <a:pPr algn="ctr"/>
+            <a:r>
+              <a:rPr lang="en-US" altLang="zh-TW" dirty="0" smtClean="0"/>
+              <a:t>DB</a:t>
+            </a:r>
+            <a:endParaRPr lang="zh-TW" altLang="en-US" dirty="0"/>
+          </a:p>
+        </p:txBody>
+      </p:sp>
+      <p:sp>
+        <p:nvSpPr>
+          <p:cNvPr id="7" name="左-右雙向箭號 6"/>
+          <p:cNvSpPr/>
+          <p:nvPr/>
+        </p:nvSpPr>
+        <p:spPr>
+          <a:xfrm rot="20378770">
+            <a:off x="8154893" y="3532068"/>
+            <a:ext cx="915120" cy="362310"/>
+          </a:xfrm>
+          <a:prstGeom prst="leftRightArrow">
+            <a:avLst/>
+          </a:prstGeom>
+        </p:spPr>
+        <p:style>
+          <a:lnRef idx="2">
+            <a:schemeClr val="accent1">
+              <a:shade val="50000"/>
+            </a:schemeClr>
+          </a:lnRef>
+          <a:fillRef idx="1">
+            <a:schemeClr val="accent1"/>
+          </a:fillRef>
+          <a:effectRef idx="0">
+            <a:schemeClr val="accent1"/>
+          </a:effectRef>
+          <a:fontRef idx="minor">
+            <a:schemeClr val="lt1"/>
+          </a:fontRef>
+        </p:style>
+        <p:txBody>
+          <a:bodyPr rtlCol="0" anchor="ctr"/>
+          <a:lstStyle/>
+          <a:p>
+            <a:pPr algn="ctr"/>
+            <a:endParaRPr lang="zh-TW" altLang="en-US"/>
+          </a:p>
+        </p:txBody>
+      </p:sp>
+      <p:sp>
+        <p:nvSpPr>
+          <p:cNvPr id="8" name="左-右雙向箭號 7"/>
+          <p:cNvSpPr/>
+          <p:nvPr/>
+        </p:nvSpPr>
+        <p:spPr>
+          <a:xfrm>
+            <a:off x="3641784" y="3713224"/>
+            <a:ext cx="630448" cy="362310"/>
+          </a:xfrm>
+          <a:prstGeom prst="leftRightArrow">
+            <a:avLst/>
+          </a:prstGeom>
+        </p:spPr>
+        <p:style>
+          <a:lnRef idx="2">
+            <a:schemeClr val="accent1">
+              <a:shade val="50000"/>
+            </a:schemeClr>
+          </a:lnRef>
+          <a:fillRef idx="1">
+            <a:schemeClr val="accent1"/>
+          </a:fillRef>
+          <a:effectRef idx="0">
+            <a:schemeClr val="accent1"/>
+          </a:effectRef>
+          <a:fontRef idx="minor">
+            <a:schemeClr val="lt1"/>
+          </a:fontRef>
+        </p:style>
+        <p:txBody>
+          <a:bodyPr rtlCol="0" anchor="ctr"/>
+          <a:lstStyle/>
+          <a:p>
+            <a:pPr algn="ctr"/>
+            <a:endParaRPr lang="zh-TW" altLang="en-US"/>
+          </a:p>
+        </p:txBody>
+      </p:sp>
+      <p:sp>
+        <p:nvSpPr>
+          <p:cNvPr id="9" name="圓角矩形 8"/>
+          <p:cNvSpPr/>
+          <p:nvPr/>
+        </p:nvSpPr>
+        <p:spPr>
+          <a:xfrm>
+            <a:off x="4769328" y="1084892"/>
+            <a:ext cx="3260785" cy="1112808"/>
+          </a:xfrm>
+          <a:prstGeom prst="roundRect">
+            <a:avLst/>
+          </a:prstGeom>
+          <a:solidFill>
+            <a:srgbClr val="FF0000"/>
+          </a:solidFill>
+        </p:spPr>
+        <p:style>
+          <a:lnRef idx="2">
+            <a:schemeClr val="accent1">
+              <a:shade val="50000"/>
+            </a:schemeClr>
+          </a:lnRef>
+          <a:fillRef idx="1">
+            <a:schemeClr val="accent1"/>
+          </a:fillRef>
+          <a:effectRef idx="0">
+            <a:schemeClr val="accent1"/>
+          </a:effectRef>
+          <a:fontRef idx="minor">
+            <a:schemeClr val="lt1"/>
+          </a:fontRef>
+        </p:style>
+        <p:txBody>
+          <a:bodyPr rtlCol="0" anchor="ctr"/>
+          <a:lstStyle/>
+          <a:p>
+            <a:pPr algn="ctr"/>
+            <a:r>
+              <a:rPr lang="en-US" altLang="zh-TW" dirty="0" smtClean="0"/>
+              <a:t>Client</a:t>
+            </a:r>
+            <a:r>
+              <a:rPr lang="zh-TW" altLang="en-US" dirty="0" smtClean="0"/>
+              <a:t>端</a:t>
+            </a:r>
             <a:endParaRPr lang="en-US" altLang="zh-TW" dirty="0" smtClean="0"/>
           </a:p>
           <a:p>
-            <a:r>
-              <a:rPr lang="zh-TW" altLang="en-US" dirty="0" smtClean="0"/>
-              <a:t>實作</a:t>
-            </a:r>
+            <a:pPr algn="ctr"/>
             <a:r>
               <a:rPr lang="en-US" altLang="zh-TW" dirty="0" smtClean="0"/>
-              <a:t>: TS, </a:t>
-            </a:r>
-            <a:r>
-              <a:rPr lang="zh-TW" altLang="en-US" dirty="0" smtClean="0"/>
-              <a:t>寫入</a:t>
-            </a:r>
+              <a:t>Application/EXE</a:t>
+            </a:r>
+            <a:endParaRPr lang="zh-TW" altLang="en-US" dirty="0"/>
+          </a:p>
+        </p:txBody>
+      </p:sp>
+      <p:sp>
+        <p:nvSpPr>
+          <p:cNvPr id="10" name="左-右雙向箭號 9"/>
+          <p:cNvSpPr/>
+          <p:nvPr/>
+        </p:nvSpPr>
+        <p:spPr>
+          <a:xfrm rot="1150838">
+            <a:off x="8241559" y="2377646"/>
+            <a:ext cx="1017577" cy="362310"/>
+          </a:xfrm>
+          <a:prstGeom prst="leftRightArrow">
+            <a:avLst/>
+          </a:prstGeom>
+        </p:spPr>
+        <p:style>
+          <a:lnRef idx="2">
+            <a:schemeClr val="accent1">
+              <a:shade val="50000"/>
+            </a:schemeClr>
+          </a:lnRef>
+          <a:fillRef idx="1">
+            <a:schemeClr val="accent1"/>
+          </a:fillRef>
+          <a:effectRef idx="0">
+            <a:schemeClr val="accent1"/>
+          </a:effectRef>
+          <a:fontRef idx="minor">
+            <a:schemeClr val="lt1"/>
+          </a:fontRef>
+        </p:style>
+        <p:txBody>
+          <a:bodyPr rtlCol="0" anchor="ctr"/>
+          <a:lstStyle/>
+          <a:p>
+            <a:pPr algn="ctr"/>
+            <a:endParaRPr lang="zh-TW" altLang="en-US"/>
+          </a:p>
+        </p:txBody>
+      </p:sp>
+      <p:sp>
+        <p:nvSpPr>
+          <p:cNvPr id="11" name="文字方塊 10"/>
+          <p:cNvSpPr txBox="1"/>
+          <p:nvPr/>
+        </p:nvSpPr>
+        <p:spPr>
+          <a:xfrm>
+            <a:off x="3630248" y="3343891"/>
+            <a:ext cx="675121" cy="369332"/>
+          </a:xfrm>
+          <a:prstGeom prst="rect">
+            <a:avLst/>
+          </a:prstGeom>
+          <a:noFill/>
+        </p:spPr>
+        <p:txBody>
+          <a:bodyPr wrap="none" rtlCol="0">
+            <a:spAutoFit/>
+          </a:bodyPr>
+          <a:lstStyle/>
+          <a:p>
             <a:r>
               <a:rPr lang="en-US" altLang="zh-TW" dirty="0" smtClean="0"/>
-              <a:t>/ </a:t>
-            </a:r>
-            <a:r>
-              <a:rPr lang="zh-TW" altLang="en-US" dirty="0" smtClean="0"/>
-              <a:t>讀出</a:t>
-            </a:r>
-            <a:r>
-              <a:rPr lang="en-US" altLang="zh-TW" dirty="0" smtClean="0"/>
-              <a:t>/ </a:t>
-            </a:r>
-            <a:r>
-              <a:rPr lang="zh-TW" altLang="en-US" dirty="0" smtClean="0"/>
-              <a:t>更新 資料</a:t>
+              <a:t>HTTP</a:t>
             </a:r>
             <a:endParaRPr lang="zh-TW" altLang="en-US" dirty="0"/>
           </a:p>
@@ -3955,7 +4532,7 @@
     </p:spTree>
     <p:extLst>
       <p:ext uri="{BB962C8B-B14F-4D97-AF65-F5344CB8AC3E}">
-        <p14:creationId xmlns:p14="http://schemas.microsoft.com/office/powerpoint/2010/main" val="3684701527"/>
+        <p14:creationId xmlns:p14="http://schemas.microsoft.com/office/powerpoint/2010/main" val="868572361"/>
       </p:ext>
     </p:extLst>
   </p:cSld>
@@ -3999,7 +4576,7 @@
           <a:p>
             <a:r>
               <a:rPr lang="zh-TW" altLang="en-US" dirty="0" smtClean="0"/>
-              <a:t>大綱</a:t>
+              <a:t>學習目標</a:t>
             </a:r>
             <a:endParaRPr lang="zh-TW" altLang="en-US" dirty="0"/>
           </a:p>
@@ -4022,34 +4599,48 @@
           <a:p>
             <a:r>
               <a:rPr lang="en-US" altLang="zh-TW" dirty="0" smtClean="0"/>
-              <a:t>http</a:t>
+              <a:t>HTTP </a:t>
             </a:r>
             <a:r>
               <a:rPr lang="zh-TW" altLang="en-US" dirty="0" smtClean="0"/>
-              <a:t>概念</a:t>
-            </a:r>
+              <a:t>基礎</a:t>
+            </a:r>
+            <a:r>
+              <a:rPr lang="en-US" altLang="zh-TW" dirty="0" smtClean="0"/>
+              <a:t>: Method, Status</a:t>
+            </a:r>
+          </a:p>
+          <a:p>
             <a:endParaRPr lang="en-US" altLang="zh-TW" dirty="0" smtClean="0"/>
           </a:p>
           <a:p>
-            <a:r>
-              <a:rPr lang="en-US" altLang="zh-TW" dirty="0" err="1" smtClean="0"/>
-              <a:t>Nestjs</a:t>
-            </a:r>
-            <a:r>
-              <a:rPr lang="en-US" altLang="zh-TW" dirty="0" smtClean="0"/>
-              <a:t> </a:t>
-            </a:r>
-            <a:r>
-              <a:rPr lang="zh-TW" altLang="en-US" dirty="0" smtClean="0"/>
-              <a:t>架構</a:t>
-            </a:r>
-            <a:r>
-              <a:rPr lang="en-US" altLang="zh-TW" dirty="0" smtClean="0"/>
-              <a:t>/</a:t>
-            </a:r>
             <a:r>
               <a:rPr lang="zh-TW" altLang="en-US" dirty="0" smtClean="0"/>
               <a:t>實作</a:t>
+            </a:r>
+            <a:r>
+              <a:rPr lang="en-US" altLang="zh-TW" dirty="0" smtClean="0"/>
+              <a:t>: TS, </a:t>
+            </a:r>
+            <a:r>
+              <a:rPr lang="zh-TW" altLang="en-US" dirty="0" smtClean="0"/>
+              <a:t>寫入</a:t>
+            </a:r>
+            <a:r>
+              <a:rPr lang="en-US" altLang="zh-TW" dirty="0" smtClean="0"/>
+              <a:t>/ </a:t>
+            </a:r>
+            <a:r>
+              <a:rPr lang="zh-TW" altLang="en-US" dirty="0" smtClean="0"/>
+              <a:t>讀出</a:t>
+            </a:r>
+            <a:r>
+              <a:rPr lang="en-US" altLang="zh-TW" dirty="0" smtClean="0"/>
+              <a:t>/ </a:t>
+            </a:r>
+            <a:r>
+              <a:rPr lang="zh-TW" altLang="en-US" dirty="0" smtClean="0"/>
+              <a:t>更新 資料</a:t>
             </a:r>
             <a:endParaRPr lang="zh-TW" altLang="en-US" dirty="0"/>
           </a:p>
@@ -4058,7 +4649,7 @@
     </p:spTree>
     <p:extLst>
       <p:ext uri="{BB962C8B-B14F-4D97-AF65-F5344CB8AC3E}">
-        <p14:creationId xmlns:p14="http://schemas.microsoft.com/office/powerpoint/2010/main" val="3984377297"/>
+        <p14:creationId xmlns:p14="http://schemas.microsoft.com/office/powerpoint/2010/main" val="3684701527"/>
       </p:ext>
     </p:extLst>
   </p:cSld>
@@ -4101,152 +4692,58 @@
           <a:lstStyle/>
           <a:p>
             <a:r>
+              <a:rPr lang="zh-TW" altLang="en-US" dirty="0" smtClean="0"/>
+              <a:t>大綱</a:t>
+            </a:r>
+            <a:endParaRPr lang="zh-TW" altLang="en-US" dirty="0"/>
+          </a:p>
+        </p:txBody>
+      </p:sp>
+      <p:sp>
+        <p:nvSpPr>
+          <p:cNvPr id="3" name="內容版面配置區 2"/>
+          <p:cNvSpPr>
+            <a:spLocks noGrp="1"/>
+          </p:cNvSpPr>
+          <p:nvPr>
+            <p:ph idx="1"/>
+          </p:nvPr>
+        </p:nvSpPr>
+        <p:spPr/>
+        <p:txBody>
+          <a:bodyPr/>
+          <a:lstStyle/>
+          <a:p>
+            <a:r>
               <a:rPr lang="en-US" altLang="zh-TW" dirty="0" smtClean="0"/>
-              <a:t>Http</a:t>
-            </a:r>
-            <a:endParaRPr lang="zh-TW" altLang="en-US" dirty="0"/>
-          </a:p>
-        </p:txBody>
-      </p:sp>
-      <p:sp>
-        <p:nvSpPr>
-          <p:cNvPr id="3" name="內容版面配置區 2"/>
-          <p:cNvSpPr>
-            <a:spLocks noGrp="1"/>
-          </p:cNvSpPr>
-          <p:nvPr>
-            <p:ph idx="1"/>
-          </p:nvPr>
-        </p:nvSpPr>
-        <p:spPr/>
-        <p:txBody>
-          <a:bodyPr/>
-          <a:lstStyle/>
-          <a:p>
+              <a:t>http</a:t>
+            </a:r>
+            <a:r>
+              <a:rPr lang="zh-TW" altLang="en-US" dirty="0" smtClean="0"/>
+              <a:t>概念</a:t>
+            </a:r>
             <a:endParaRPr lang="en-US" altLang="zh-TW" dirty="0" smtClean="0"/>
           </a:p>
           <a:p>
             <a:r>
-              <a:rPr lang="en-US" altLang="zh-TW" sz="1200" dirty="0">
-                <a:hlinkClick r:id="rId2"/>
-              </a:rPr>
-              <a:t>https://</a:t>
-            </a:r>
-            <a:r>
-              <a:rPr lang="en-US" altLang="zh-TW" sz="1200" dirty="0" smtClean="0">
-                <a:hlinkClick r:id="rId2"/>
-              </a:rPr>
-              <a:t>zhuanlan.zhihu.com/p/77373945</a:t>
-            </a:r>
-            <a:endParaRPr lang="en-US" altLang="zh-TW" sz="1200" dirty="0" smtClean="0"/>
-          </a:p>
-          <a:p>
-            <a:r>
-              <a:rPr lang="en-US" altLang="zh-TW" sz="1200" dirty="0">
-                <a:hlinkClick r:id="rId3"/>
-              </a:rPr>
-              <a:t>https://data-sci.info/2015/10/24/%E5%B8%B8%E8%A6%8B%E7%9A%84http-method%E7%9A%84%E4%B8%8D%E5%90%8C%E6%80%A7%E8%B3%AA%E5%88%86%E6%9E%90%EF%BC%9Agetpost%E5%92%8C%E5%85%B6%E4%BB%964%E7%A8%AEmethod%E7%9A%84%E5%B7%AE%E5%88%A5</a:t>
-            </a:r>
-            <a:r>
-              <a:rPr lang="en-US" altLang="zh-TW" sz="1200" dirty="0" smtClean="0">
-                <a:hlinkClick r:id="rId3"/>
-              </a:rPr>
+              <a:rPr lang="en-US" altLang="zh-TW" dirty="0" err="1" smtClean="0"/>
+              <a:t>Nestjs</a:t>
+            </a:r>
+            <a:r>
+              <a:rPr lang="en-US" altLang="zh-TW" dirty="0" smtClean="0"/>
+              <a:t> </a:t>
+            </a:r>
+            <a:r>
+              <a:rPr lang="zh-TW" altLang="en-US" dirty="0" smtClean="0"/>
+              <a:t>架構</a:t>
+            </a:r>
+            <a:r>
+              <a:rPr lang="en-US" altLang="zh-TW" dirty="0" smtClean="0"/>
               <a:t>/</a:t>
             </a:r>
-            <a:endParaRPr lang="en-US" altLang="zh-TW" sz="1200" dirty="0" smtClean="0"/>
-          </a:p>
-          <a:p>
-            <a:endParaRPr lang="en-US" altLang="zh-TW" sz="1200" dirty="0" smtClean="0"/>
-          </a:p>
-          <a:p>
-            <a:endParaRPr lang="en-US" altLang="zh-TW" dirty="0" smtClean="0"/>
-          </a:p>
-          <a:p>
-            <a:r>
-              <a:rPr lang="en-US" altLang="zh-TW" dirty="0" smtClean="0"/>
-              <a:t>Method </a:t>
-            </a:r>
-          </a:p>
-          <a:p>
-            <a:pPr lvl="1"/>
-            <a:r>
-              <a:rPr lang="en-US" altLang="zh-TW" dirty="0" smtClean="0"/>
-              <a:t>Get, post, put, delete, head, option</a:t>
-            </a:r>
-          </a:p>
-          <a:p>
-            <a:r>
-              <a:rPr lang="en-US" altLang="zh-TW" dirty="0" smtClean="0"/>
-              <a:t>Status</a:t>
-            </a:r>
-          </a:p>
-          <a:p>
-            <a:pPr lvl="1"/>
-            <a:r>
-              <a:rPr lang="en-US" altLang="zh-TW" dirty="0" smtClean="0"/>
-              <a:t>1xx, 2xx, 3xx, 4xx, 5xx</a:t>
-            </a:r>
-            <a:endParaRPr lang="zh-TW" altLang="en-US" dirty="0"/>
-          </a:p>
-        </p:txBody>
-      </p:sp>
-      <p:sp>
-        <p:nvSpPr>
-          <p:cNvPr id="4" name="矩形 3"/>
-          <p:cNvSpPr/>
-          <p:nvPr/>
-        </p:nvSpPr>
-        <p:spPr>
-          <a:xfrm>
-            <a:off x="6308785" y="4555072"/>
-            <a:ext cx="6096000" cy="276999"/>
-          </a:xfrm>
-          <a:prstGeom prst="rect">
-            <a:avLst/>
-          </a:prstGeom>
-        </p:spPr>
-        <p:txBody>
-          <a:bodyPr>
-            <a:spAutoFit/>
-          </a:bodyPr>
-          <a:lstStyle/>
-          <a:p>
-            <a:r>
-              <a:rPr lang="en-US" altLang="zh-TW" sz="1200" dirty="0">
-                <a:hlinkClick r:id="rId4"/>
-              </a:rPr>
-              <a:t>https://developer.mozilla.org/zh-TW/docs/Web/HTTP/Methods</a:t>
-            </a:r>
-            <a:endParaRPr lang="zh-TW" altLang="en-US" sz="1200" dirty="0"/>
-          </a:p>
-        </p:txBody>
-      </p:sp>
-      <p:sp>
-        <p:nvSpPr>
-          <p:cNvPr id="5" name="矩形 4"/>
-          <p:cNvSpPr/>
-          <p:nvPr/>
-        </p:nvSpPr>
-        <p:spPr>
-          <a:xfrm>
-            <a:off x="4666486" y="5444070"/>
-            <a:ext cx="5895525" cy="369332"/>
-          </a:xfrm>
-          <a:prstGeom prst="rect">
-            <a:avLst/>
-          </a:prstGeom>
-        </p:spPr>
-        <p:txBody>
-          <a:bodyPr wrap="none">
-            <a:spAutoFit/>
-          </a:bodyPr>
-          <a:lstStyle/>
-          <a:p>
-            <a:r>
-              <a:rPr lang="en-US" altLang="zh-TW" dirty="0">
-                <a:hlinkClick r:id="rId5"/>
-              </a:rPr>
-              <a:t>https://developer.mozilla.org/zh-TW/docs/Web/HTTP/Status</a:t>
+            <a:r>
+              <a:rPr lang="zh-TW" altLang="en-US" dirty="0" smtClean="0"/>
+              <a:t>實作</a:t>
             </a:r>
             <a:endParaRPr lang="zh-TW" altLang="en-US" dirty="0"/>
           </a:p>
@@ -4255,7 +4752,7 @@
     </p:spTree>
     <p:extLst>
       <p:ext uri="{BB962C8B-B14F-4D97-AF65-F5344CB8AC3E}">
-        <p14:creationId xmlns:p14="http://schemas.microsoft.com/office/powerpoint/2010/main" val="1200087038"/>
+        <p14:creationId xmlns:p14="http://schemas.microsoft.com/office/powerpoint/2010/main" val="3984377297"/>
       </p:ext>
     </p:extLst>
   </p:cSld>
@@ -4297,7 +4794,11 @@
           <a:bodyPr/>
           <a:lstStyle/>
           <a:p>
-            <a:endParaRPr lang="zh-TW" altLang="en-US"/>
+            <a:r>
+              <a:rPr lang="en-US" altLang="zh-TW" dirty="0" smtClean="0"/>
+              <a:t>Http</a:t>
+            </a:r>
+            <a:endParaRPr lang="zh-TW" altLang="en-US" dirty="0"/>
           </a:p>
         </p:txBody>
       </p:sp>
@@ -4316,79 +4817,131 @@
           <a:bodyPr/>
           <a:lstStyle/>
           <a:p>
-            <a:r>
-              <a:rPr lang="zh-TW" altLang="zh-TW" dirty="0">
-                <a:solidFill>
-                  <a:srgbClr val="4D4D4C"/>
-                </a:solidFill>
-                <a:latin typeface="Consolas" panose="020B0609020204030204" pitchFamily="49" charset="0"/>
+            <a:endParaRPr lang="en-US" altLang="zh-TW" dirty="0" smtClean="0"/>
+          </a:p>
+          <a:p>
+            <a:r>
+              <a:rPr lang="en-US" altLang="zh-TW" sz="1200" dirty="0">
+                <a:hlinkClick r:id="rId2"/>
               </a:rPr>
-              <a:t>npm i -g @nestjs/cl</a:t>
-            </a:r>
-            <a:r>
-              <a:rPr lang="zh-TW" altLang="zh-TW" dirty="0" smtClean="0">
-                <a:solidFill>
-                  <a:srgbClr val="4D4D4C"/>
-                </a:solidFill>
-                <a:latin typeface="Consolas" panose="020B0609020204030204" pitchFamily="49" charset="0"/>
+              <a:t>https://</a:t>
+            </a:r>
+            <a:r>
+              <a:rPr lang="en-US" altLang="zh-TW" sz="1200" dirty="0" smtClean="0">
+                <a:hlinkClick r:id="rId2"/>
               </a:rPr>
-              <a:t>i</a:t>
-            </a:r>
-            <a:endParaRPr lang="en-US" altLang="zh-TW" dirty="0" smtClean="0">
-              <a:solidFill>
-                <a:srgbClr val="4D4D4C"/>
-              </a:solidFill>
-              <a:latin typeface="Consolas" panose="020B0609020204030204" pitchFamily="49" charset="0"/>
-            </a:endParaRPr>
-          </a:p>
-          <a:p>
-            <a:r>
-              <a:rPr lang="en-US" altLang="zh-TW" sz="2000" dirty="0" smtClean="0"/>
-              <a:t>nest new &lt;project-name</a:t>
-            </a:r>
-            <a:r>
-              <a:rPr lang="zh-TW" altLang="zh-TW" sz="2000" dirty="0" smtClean="0"/>
-              <a:t> </a:t>
-            </a:r>
-            <a:r>
-              <a:rPr lang="en-US" altLang="zh-TW" sz="2000" dirty="0" smtClean="0"/>
-              <a:t>&gt;</a:t>
-            </a:r>
-          </a:p>
-          <a:p>
-            <a:r>
-              <a:rPr lang="en-US" altLang="zh-TW" sz="2000" dirty="0" smtClean="0">
-                <a:latin typeface="Arial" panose="020B0604020202020204" pitchFamily="34" charset="0"/>
+              <a:t>zhuanlan.zhihu.com/p/77373945</a:t>
+            </a:r>
+            <a:endParaRPr lang="en-US" altLang="zh-TW" sz="1200" dirty="0" smtClean="0"/>
+          </a:p>
+          <a:p>
+            <a:r>
+              <a:rPr lang="en-US" altLang="zh-TW" sz="1200" dirty="0">
+                <a:hlinkClick r:id="rId3"/>
               </a:rPr>
-              <a:t>nest g module xxx</a:t>
-            </a:r>
-          </a:p>
-          <a:p>
-            <a:r>
-              <a:rPr lang="en-US" altLang="zh-TW" sz="2000" dirty="0" smtClean="0">
-                <a:latin typeface="Arial" panose="020B0604020202020204" pitchFamily="34" charset="0"/>
+              <a:t>https://data-sci.info/2015/10/24/%E5%B8%B8%E8%A6%8B%E7%9A%84http-method%E7%9A%84%E4%B8%8D%E5%90%8C%E6%80%A7%E8%B3%AA%E5%88%86%E6%9E%90%EF%BC%9Agetpost%E5%92%8C%E5%85%B6%E4%BB%964%E7%A8%AEmethod%E7%9A%84%E5%B7%AE%E5%88%A5</a:t>
+            </a:r>
+            <a:r>
+              <a:rPr lang="en-US" altLang="zh-TW" sz="1200" dirty="0" smtClean="0">
+                <a:hlinkClick r:id="rId3"/>
               </a:rPr>
-              <a:t>nest g control xxx</a:t>
-            </a:r>
-          </a:p>
-          <a:p>
-            <a:r>
-              <a:rPr lang="en-US" altLang="zh-TW" sz="2000" dirty="0" smtClean="0">
-                <a:latin typeface="Arial" panose="020B0604020202020204" pitchFamily="34" charset="0"/>
+              <a:t>/</a:t>
+            </a:r>
+            <a:endParaRPr lang="en-US" altLang="zh-TW" sz="1200" dirty="0" smtClean="0"/>
+          </a:p>
+          <a:p>
+            <a:endParaRPr lang="en-US" altLang="zh-TW" sz="1200" dirty="0" smtClean="0"/>
+          </a:p>
+          <a:p>
+            <a:endParaRPr lang="en-US" altLang="zh-TW" dirty="0" smtClean="0"/>
+          </a:p>
+          <a:p>
+            <a:r>
+              <a:rPr lang="en-US" altLang="zh-TW" dirty="0" smtClean="0"/>
+              <a:t>Method </a:t>
+            </a:r>
+          </a:p>
+          <a:p>
+            <a:pPr lvl="1"/>
+            <a:r>
+              <a:rPr lang="en-US" altLang="zh-TW" dirty="0" smtClean="0"/>
+              <a:t>Get, post, put, delete, head, option</a:t>
+            </a:r>
+          </a:p>
+          <a:p>
+            <a:r>
+              <a:rPr lang="en-US" altLang="zh-TW" dirty="0" smtClean="0"/>
+              <a:t>Status</a:t>
+            </a:r>
+          </a:p>
+          <a:p>
+            <a:pPr lvl="1"/>
+            <a:r>
+              <a:rPr lang="en-US" altLang="zh-TW" dirty="0" smtClean="0"/>
+              <a:t>1xx, 2xx, 3xx, 4xx, 5xx</a:t>
+            </a:r>
+            <a:endParaRPr lang="zh-TW" altLang="en-US" dirty="0"/>
+          </a:p>
+        </p:txBody>
+      </p:sp>
+      <p:sp>
+        <p:nvSpPr>
+          <p:cNvPr id="4" name="矩形 3"/>
+          <p:cNvSpPr/>
+          <p:nvPr/>
+        </p:nvSpPr>
+        <p:spPr>
+          <a:xfrm>
+            <a:off x="6308785" y="4555072"/>
+            <a:ext cx="6096000" cy="276999"/>
+          </a:xfrm>
+          <a:prstGeom prst="rect">
+            <a:avLst/>
+          </a:prstGeom>
+        </p:spPr>
+        <p:txBody>
+          <a:bodyPr>
+            <a:spAutoFit/>
+          </a:bodyPr>
+          <a:lstStyle/>
+          <a:p>
+            <a:r>
+              <a:rPr lang="en-US" altLang="zh-TW" sz="1200" dirty="0">
+                <a:hlinkClick r:id="rId4"/>
               </a:rPr>
-              <a:t>nest </a:t>
-            </a:r>
-            <a:r>
-              <a:rPr lang="en-US" altLang="zh-TW" sz="2000" smtClean="0">
-                <a:latin typeface="Arial" panose="020B0604020202020204" pitchFamily="34" charset="0"/>
+              <a:t>https://developer.mozilla.org/zh-TW/docs/Web/HTTP/Methods</a:t>
+            </a:r>
+            <a:endParaRPr lang="zh-TW" altLang="en-US" sz="1200" dirty="0"/>
+          </a:p>
+        </p:txBody>
+      </p:sp>
+      <p:sp>
+        <p:nvSpPr>
+          <p:cNvPr id="5" name="矩形 4"/>
+          <p:cNvSpPr/>
+          <p:nvPr/>
+        </p:nvSpPr>
+        <p:spPr>
+          <a:xfrm>
+            <a:off x="4666486" y="5444070"/>
+            <a:ext cx="5895525" cy="369332"/>
+          </a:xfrm>
+          <a:prstGeom prst="rect">
+            <a:avLst/>
+          </a:prstGeom>
+        </p:spPr>
+        <p:txBody>
+          <a:bodyPr wrap="none">
+            <a:spAutoFit/>
+          </a:bodyPr>
+          <a:lstStyle/>
+          <a:p>
+            <a:r>
+              <a:rPr lang="en-US" altLang="zh-TW" dirty="0">
+                <a:hlinkClick r:id="rId5"/>
               </a:rPr>
-              <a:t>g service xxx</a:t>
-            </a:r>
-            <a:endParaRPr lang="zh-TW" altLang="zh-TW" sz="5400" dirty="0">
-              <a:latin typeface="Arial" panose="020B0604020202020204" pitchFamily="34" charset="0"/>
-            </a:endParaRPr>
-          </a:p>
-          <a:p>
+              <a:t>https://developer.mozilla.org/zh-TW/docs/Web/HTTP/Status</a:t>
+            </a:r>
             <a:endParaRPr lang="zh-TW" altLang="en-US" dirty="0"/>
           </a:p>
         </p:txBody>
@@ -4396,7 +4949,7 @@
     </p:spTree>
     <p:extLst>
       <p:ext uri="{BB962C8B-B14F-4D97-AF65-F5344CB8AC3E}">
-        <p14:creationId xmlns:p14="http://schemas.microsoft.com/office/powerpoint/2010/main" val="2585263117"/>
+        <p14:creationId xmlns:p14="http://schemas.microsoft.com/office/powerpoint/2010/main" val="1200087038"/>
       </p:ext>
     </p:extLst>
   </p:cSld>
@@ -4439,67 +4992,134 @@
           <a:lstStyle/>
           <a:p>
             <a:r>
+              <a:rPr lang="zh-TW" altLang="en-US" dirty="0" smtClean="0"/>
+              <a:t>指令</a:t>
+            </a:r>
+            <a:endParaRPr lang="zh-TW" altLang="en-US" dirty="0"/>
+          </a:p>
+        </p:txBody>
+      </p:sp>
+      <p:sp>
+        <p:nvSpPr>
+          <p:cNvPr id="3" name="內容版面配置區 2"/>
+          <p:cNvSpPr>
+            <a:spLocks noGrp="1"/>
+          </p:cNvSpPr>
+          <p:nvPr>
+            <p:ph idx="1"/>
+          </p:nvPr>
+        </p:nvSpPr>
+        <p:spPr/>
+        <p:txBody>
+          <a:bodyPr/>
+          <a:lstStyle/>
+          <a:p>
+            <a:r>
+              <a:rPr lang="zh-TW" altLang="zh-TW" dirty="0">
+                <a:solidFill>
+                  <a:srgbClr val="4D4D4C"/>
+                </a:solidFill>
+                <a:latin typeface="Consolas" panose="020B0609020204030204" pitchFamily="49" charset="0"/>
+              </a:rPr>
+              <a:t>npm i -g @nestjs/cl</a:t>
+            </a:r>
+            <a:r>
+              <a:rPr lang="zh-TW" altLang="zh-TW" dirty="0" smtClean="0">
+                <a:solidFill>
+                  <a:srgbClr val="4D4D4C"/>
+                </a:solidFill>
+                <a:latin typeface="Consolas" panose="020B0609020204030204" pitchFamily="49" charset="0"/>
+              </a:rPr>
+              <a:t>i</a:t>
+            </a:r>
+            <a:endParaRPr lang="en-US" altLang="zh-TW" dirty="0" smtClean="0">
+              <a:solidFill>
+                <a:srgbClr val="4D4D4C"/>
+              </a:solidFill>
+              <a:latin typeface="Consolas" panose="020B0609020204030204" pitchFamily="49" charset="0"/>
+            </a:endParaRPr>
+          </a:p>
+          <a:p>
+            <a:r>
+              <a:rPr lang="en-US" altLang="zh-TW" sz="2000" dirty="0" smtClean="0"/>
+              <a:t>nest new &lt;project-name</a:t>
+            </a:r>
+            <a:r>
+              <a:rPr lang="zh-TW" altLang="zh-TW" sz="2000" dirty="0" smtClean="0"/>
+              <a:t> </a:t>
+            </a:r>
+            <a:r>
+              <a:rPr lang="en-US" altLang="zh-TW" sz="2000" dirty="0" smtClean="0"/>
+              <a:t>&gt;</a:t>
+            </a:r>
+          </a:p>
+          <a:p>
+            <a:r>
+              <a:rPr lang="en-US" altLang="zh-TW" sz="2000" dirty="0" smtClean="0">
+                <a:latin typeface="Arial" panose="020B0604020202020204" pitchFamily="34" charset="0"/>
+              </a:rPr>
+              <a:t>nest g module xxx</a:t>
+            </a:r>
+          </a:p>
+          <a:p>
+            <a:r>
+              <a:rPr lang="en-US" altLang="zh-TW" sz="2000" dirty="0" smtClean="0">
+                <a:latin typeface="Arial" panose="020B0604020202020204" pitchFamily="34" charset="0"/>
+              </a:rPr>
+              <a:t>nest g control xxx</a:t>
+            </a:r>
+          </a:p>
+          <a:p>
+            <a:r>
+              <a:rPr lang="en-US" altLang="zh-TW" sz="2000" dirty="0" smtClean="0">
+                <a:latin typeface="Arial" panose="020B0604020202020204" pitchFamily="34" charset="0"/>
+              </a:rPr>
+              <a:t>nest g service xxx</a:t>
+            </a:r>
+            <a:endParaRPr lang="zh-TW" altLang="zh-TW" sz="5400" dirty="0">
+              <a:latin typeface="Arial" panose="020B0604020202020204" pitchFamily="34" charset="0"/>
+            </a:endParaRPr>
+          </a:p>
+          <a:p>
+            <a:r>
+              <a:rPr lang="zh-TW" altLang="en-US" dirty="0" smtClean="0"/>
+              <a:t>執行</a:t>
+            </a:r>
+            <a:r>
               <a:rPr lang="en-US" altLang="zh-TW" dirty="0" smtClean="0"/>
-              <a:t>Decorator </a:t>
-            </a:r>
-            <a:r>
-              <a:rPr lang="zh-TW" altLang="en-US" dirty="0" smtClean="0"/>
-              <a:t>裝飾詞</a:t>
-            </a:r>
-            <a:endParaRPr lang="zh-TW" altLang="en-US" dirty="0"/>
-          </a:p>
-        </p:txBody>
-      </p:sp>
-      <p:sp>
-        <p:nvSpPr>
-          <p:cNvPr id="3" name="內容版面配置區 2"/>
-          <p:cNvSpPr>
-            <a:spLocks noGrp="1"/>
-          </p:cNvSpPr>
-          <p:nvPr>
-            <p:ph idx="1"/>
-          </p:nvPr>
-        </p:nvSpPr>
-        <p:spPr/>
-        <p:txBody>
-          <a:bodyPr/>
-          <a:lstStyle/>
-          <a:p>
+              <a:t>:</a:t>
+            </a:r>
+          </a:p>
+          <a:p>
+            <a:pPr marL="914400" lvl="1" indent="-457200">
+              <a:buFont typeface="+mj-lt"/>
+              <a:buAutoNum type="arabicPeriod"/>
+            </a:pPr>
+            <a:r>
+              <a:rPr lang="en-US" altLang="zh-TW" dirty="0" err="1" smtClean="0"/>
+              <a:t>npm</a:t>
+            </a:r>
             <a:r>
               <a:rPr lang="en-US" altLang="zh-TW" dirty="0" smtClean="0"/>
-              <a:t>@Module, @Controller, @Injectable</a:t>
-            </a:r>
-          </a:p>
-          <a:p>
+              <a:t> install</a:t>
+            </a:r>
+          </a:p>
+          <a:p>
+            <a:pPr marL="914400" lvl="1" indent="-457200">
+              <a:buFont typeface="+mj-lt"/>
+              <a:buAutoNum type="arabicPeriod"/>
+            </a:pPr>
+            <a:r>
+              <a:rPr lang="en-US" altLang="zh-TW" dirty="0" err="1" smtClean="0"/>
+              <a:t>npm</a:t>
+            </a:r>
             <a:r>
               <a:rPr lang="en-US" altLang="zh-TW" dirty="0" smtClean="0"/>
-              <a:t>@Get, @Post, @Put, @Delete</a:t>
-            </a:r>
-          </a:p>
-          <a:p>
-            <a:r>
-              <a:rPr lang="en-US" altLang="zh-TW" dirty="0" smtClean="0"/>
-              <a:t>@Res, @</a:t>
-            </a:r>
-            <a:r>
-              <a:rPr lang="en-US" altLang="zh-TW" dirty="0" err="1" smtClean="0"/>
-              <a:t>Req</a:t>
+              <a:t> start</a:t>
             </a:r>
             <a:endParaRPr lang="en-US" altLang="zh-TW" dirty="0" smtClean="0"/>
           </a:p>
           <a:p>
-            <a:r>
-              <a:rPr lang="en-US" altLang="zh-TW" dirty="0" smtClean="0"/>
-              <a:t>@</a:t>
-            </a:r>
-            <a:r>
-              <a:rPr lang="en-US" altLang="zh-TW" dirty="0" err="1" smtClean="0"/>
-              <a:t>Param</a:t>
-            </a:r>
-            <a:r>
-              <a:rPr lang="en-US" altLang="zh-TW" dirty="0" smtClean="0"/>
-              <a:t>, @Body, @Query</a:t>
-            </a:r>
             <a:endParaRPr lang="zh-TW" altLang="en-US" dirty="0"/>
           </a:p>
         </p:txBody>
@@ -4507,7 +5127,7 @@
     </p:spTree>
     <p:extLst>
       <p:ext uri="{BB962C8B-B14F-4D97-AF65-F5344CB8AC3E}">
-        <p14:creationId xmlns:p14="http://schemas.microsoft.com/office/powerpoint/2010/main" val="2669359066"/>
+        <p14:creationId xmlns:p14="http://schemas.microsoft.com/office/powerpoint/2010/main" val="2585263117"/>
       </p:ext>
     </p:extLst>
   </p:cSld>
@@ -4550,99 +5170,98 @@
           <a:lstStyle/>
           <a:p>
             <a:r>
+              <a:rPr lang="en-US" altLang="zh-TW" dirty="0" smtClean="0"/>
+              <a:t>Decorator </a:t>
+            </a:r>
+            <a:r>
+              <a:rPr lang="zh-TW" altLang="en-US" dirty="0" smtClean="0"/>
+              <a:t>裝飾詞</a:t>
+            </a:r>
+            <a:endParaRPr lang="zh-TW" altLang="en-US" dirty="0"/>
+          </a:p>
+        </p:txBody>
+      </p:sp>
+      <p:sp>
+        <p:nvSpPr>
+          <p:cNvPr id="3" name="內容版面配置區 2"/>
+          <p:cNvSpPr>
+            <a:spLocks noGrp="1"/>
+          </p:cNvSpPr>
+          <p:nvPr>
+            <p:ph idx="1"/>
+          </p:nvPr>
+        </p:nvSpPr>
+        <p:spPr/>
+        <p:txBody>
+          <a:bodyPr/>
+          <a:lstStyle/>
+          <a:p>
+            <a:r>
+              <a:rPr lang="en-US" altLang="zh-TW" dirty="0" smtClean="0"/>
+              <a:t>@Module, @Controller, @Injectable</a:t>
+            </a:r>
+          </a:p>
+          <a:p>
+            <a:r>
+              <a:rPr lang="en-US" altLang="zh-TW" dirty="0" smtClean="0"/>
+              <a:t>@Get, @Post, @Put, @Delete</a:t>
+            </a:r>
+          </a:p>
+          <a:p>
+            <a:r>
+              <a:rPr lang="en-US" altLang="zh-TW" dirty="0" smtClean="0"/>
+              <a:t>@Res, @</a:t>
+            </a:r>
+            <a:r>
               <a:rPr lang="en-US" altLang="zh-TW" dirty="0" err="1" smtClean="0"/>
-              <a:t>Nestjs</a:t>
+              <a:t>Req</a:t>
+            </a:r>
+            <a:endParaRPr lang="en-US" altLang="zh-TW" dirty="0" smtClean="0"/>
+          </a:p>
+          <a:p>
+            <a:r>
+              <a:rPr lang="en-US" altLang="zh-TW" dirty="0" smtClean="0"/>
+              <a:t>@</a:t>
+            </a:r>
+            <a:r>
+              <a:rPr lang="en-US" altLang="zh-TW" dirty="0" err="1" smtClean="0"/>
+              <a:t>Param</a:t>
+            </a:r>
+            <a:r>
+              <a:rPr lang="en-US" altLang="zh-TW" dirty="0" smtClean="0"/>
+              <a:t>, @Body, @</a:t>
+            </a:r>
+            <a:r>
+              <a:rPr lang="en-US" altLang="zh-TW" dirty="0" smtClean="0"/>
+              <a:t>Query</a:t>
+            </a:r>
+          </a:p>
+          <a:p>
+            <a:pPr lvl="1"/>
+            <a:r>
+              <a:rPr lang="en-US" altLang="zh-TW" dirty="0" err="1" smtClean="0"/>
+              <a:t>Url</a:t>
             </a:r>
             <a:r>
               <a:rPr lang="en-US" altLang="zh-TW" dirty="0" smtClean="0"/>
               <a:t> </a:t>
             </a:r>
             <a:r>
-              <a:rPr lang="zh-TW" altLang="en-US" dirty="0" smtClean="0"/>
-              <a:t>特點</a:t>
+              <a:rPr lang="en-US" altLang="zh-TW" dirty="0" err="1" smtClean="0"/>
+              <a:t>Param</a:t>
+            </a:r>
+            <a:r>
+              <a:rPr lang="en-US" altLang="zh-TW" dirty="0" smtClean="0"/>
+              <a:t>, Query</a:t>
             </a:r>
             <a:endParaRPr lang="zh-TW" altLang="en-US" dirty="0"/>
           </a:p>
         </p:txBody>
       </p:sp>
-      <p:sp>
-        <p:nvSpPr>
-          <p:cNvPr id="3" name="內容版面配置區 2"/>
-          <p:cNvSpPr>
-            <a:spLocks noGrp="1"/>
-          </p:cNvSpPr>
-          <p:nvPr>
-            <p:ph idx="1"/>
-          </p:nvPr>
-        </p:nvSpPr>
-        <p:spPr/>
-        <p:txBody>
-          <a:bodyPr/>
-          <a:lstStyle/>
-          <a:p>
-            <a:endParaRPr lang="zh-TW" altLang="en-US"/>
-          </a:p>
-        </p:txBody>
-      </p:sp>
-      <p:sp>
-        <p:nvSpPr>
-          <p:cNvPr id="4" name="矩形 3"/>
-          <p:cNvSpPr/>
-          <p:nvPr/>
-        </p:nvSpPr>
-        <p:spPr>
-          <a:xfrm>
-            <a:off x="4976788" y="6375723"/>
-            <a:ext cx="4722831" cy="369332"/>
-          </a:xfrm>
-          <a:prstGeom prst="rect">
-            <a:avLst/>
-          </a:prstGeom>
-        </p:spPr>
-        <p:txBody>
-          <a:bodyPr wrap="none">
-            <a:spAutoFit/>
-          </a:bodyPr>
-          <a:lstStyle/>
-          <a:p>
-            <a:r>
-              <a:rPr lang="en-US" altLang="zh-TW" dirty="0">
-                <a:hlinkClick r:id="rId2"/>
-              </a:rPr>
-              <a:t>https://ithelp.ithome.com.tw/articles/10190659</a:t>
-            </a:r>
-            <a:endParaRPr lang="zh-TW" altLang="en-US" dirty="0"/>
-          </a:p>
-        </p:txBody>
-      </p:sp>
-      <p:pic>
-        <p:nvPicPr>
-          <p:cNvPr id="5" name="圖片 4"/>
-          <p:cNvPicPr>
-            <a:picLocks noChangeAspect="1"/>
-          </p:cNvPicPr>
-          <p:nvPr/>
-        </p:nvPicPr>
-        <p:blipFill>
-          <a:blip r:embed="rId3"/>
-          <a:stretch>
-            <a:fillRect/>
-          </a:stretch>
-        </p:blipFill>
-        <p:spPr>
-          <a:xfrm>
-            <a:off x="707366" y="1542383"/>
-            <a:ext cx="8714207" cy="4361305"/>
-          </a:xfrm>
-          <a:prstGeom prst="rect">
-            <a:avLst/>
-          </a:prstGeom>
-        </p:spPr>
-      </p:pic>
     </p:spTree>
     <p:extLst>
       <p:ext uri="{BB962C8B-B14F-4D97-AF65-F5344CB8AC3E}">
-        <p14:creationId xmlns:p14="http://schemas.microsoft.com/office/powerpoint/2010/main" val="1614140794"/>
+        <p14:creationId xmlns:p14="http://schemas.microsoft.com/office/powerpoint/2010/main" val="2669359066"/>
       </p:ext>
     </p:extLst>
   </p:cSld>
@@ -4685,12 +5304,8 @@
           <a:lstStyle/>
           <a:p>
             <a:r>
-              <a:rPr lang="en-US" altLang="zh-TW" dirty="0" err="1" smtClean="0"/>
-              <a:t>Nestjs</a:t>
-            </a:r>
-            <a:r>
               <a:rPr lang="en-US" altLang="zh-TW" dirty="0" smtClean="0"/>
-              <a:t> Overview</a:t>
+              <a:t>CRUD , HTTP METHOD</a:t>
             </a:r>
             <a:endParaRPr lang="zh-TW" altLang="en-US" dirty="0"/>
           </a:p>
@@ -4711,27 +5326,60 @@
           <a:bodyPr/>
           <a:lstStyle/>
           <a:p>
-            <a:r>
-              <a:rPr lang="en-US" altLang="zh-TW" dirty="0" smtClean="0"/>
-              <a:t>Module</a:t>
-            </a:r>
-          </a:p>
-          <a:p>
-            <a:r>
-              <a:rPr lang="en-US" altLang="zh-TW" dirty="0" smtClean="0"/>
-              <a:t>Controller</a:t>
-            </a:r>
-          </a:p>
-          <a:p>
-            <a:r>
-              <a:rPr lang="en-US" altLang="zh-TW" dirty="0" smtClean="0"/>
-              <a:t>Provider, Service, Component</a:t>
-            </a:r>
-          </a:p>
-          <a:p>
-            <a:r>
-              <a:rPr lang="zh-TW" altLang="en-US" dirty="0" smtClean="0"/>
-              <a:t>資料庫串接</a:t>
+            <a:endParaRPr lang="zh-TW" altLang="en-US"/>
+          </a:p>
+        </p:txBody>
+      </p:sp>
+      <p:pic>
+        <p:nvPicPr>
+          <p:cNvPr id="4" name="圖片 3"/>
+          <p:cNvPicPr>
+            <a:picLocks noChangeAspect="1"/>
+          </p:cNvPicPr>
+          <p:nvPr/>
+        </p:nvPicPr>
+        <p:blipFill>
+          <a:blip r:embed="rId2"/>
+          <a:stretch>
+            <a:fillRect/>
+          </a:stretch>
+        </p:blipFill>
+        <p:spPr>
+          <a:xfrm>
+            <a:off x="603849" y="1755191"/>
+            <a:ext cx="11139578" cy="3969843"/>
+          </a:xfrm>
+          <a:prstGeom prst="rect">
+            <a:avLst/>
+          </a:prstGeom>
+        </p:spPr>
+      </p:pic>
+      <p:sp>
+        <p:nvSpPr>
+          <p:cNvPr id="5" name="矩形 4"/>
+          <p:cNvSpPr/>
+          <p:nvPr/>
+        </p:nvSpPr>
+        <p:spPr>
+          <a:xfrm>
+            <a:off x="3266784" y="6367097"/>
+            <a:ext cx="5813707" cy="369332"/>
+          </a:xfrm>
+          <a:prstGeom prst="rect">
+            <a:avLst/>
+          </a:prstGeom>
+        </p:spPr>
+        <p:txBody>
+          <a:bodyPr wrap="none">
+            <a:spAutoFit/>
+          </a:bodyPr>
+          <a:lstStyle/>
+          <a:p>
+            <a:r>
+              <a:rPr lang="en-US" altLang="zh-TW" dirty="0">
+                <a:hlinkClick r:id="rId3"/>
+              </a:rPr>
+              <a:t>https://www.restapitutorial.com/lessons/httpmethods.html</a:t>
             </a:r>
             <a:endParaRPr lang="zh-TW" altLang="en-US" dirty="0"/>
           </a:p>
@@ -4740,7 +5388,7 @@
     </p:spTree>
     <p:extLst>
       <p:ext uri="{BB962C8B-B14F-4D97-AF65-F5344CB8AC3E}">
-        <p14:creationId xmlns:p14="http://schemas.microsoft.com/office/powerpoint/2010/main" val="1502392465"/>
+        <p14:creationId xmlns:p14="http://schemas.microsoft.com/office/powerpoint/2010/main" val="3867537394"/>
       </p:ext>
     </p:extLst>
   </p:cSld>
